--- a/Мой диплом/ВКР-набор-документов/Презентация-Забавин v02.pptx
+++ b/Мой диплом/ВКР-набор-документов/Презентация-Забавин v02.pptx
@@ -716,7 +716,7 @@
           <a:p>
             <a:fld id="{2328CB8F-DE4F-4F3C-8976-33B572ECD287}" type="datetimeFigureOut">
               <a:rPr lang="ru-RU" smtClean="0"/>
-              <a:t>19.06.2025</a:t>
+              <a:t>24.06.2025</a:t>
             </a:fld>
             <a:endParaRPr lang="ru-RU"/>
           </a:p>
@@ -922,7 +922,7 @@
           <a:p>
             <a:fld id="{2328CB8F-DE4F-4F3C-8976-33B572ECD287}" type="datetimeFigureOut">
               <a:rPr lang="ru-RU" smtClean="0"/>
-              <a:t>19.06.2025</a:t>
+              <a:t>24.06.2025</a:t>
             </a:fld>
             <a:endParaRPr lang="ru-RU"/>
           </a:p>
@@ -1138,7 +1138,7 @@
           <a:p>
             <a:fld id="{2328CB8F-DE4F-4F3C-8976-33B572ECD287}" type="datetimeFigureOut">
               <a:rPr lang="ru-RU" smtClean="0"/>
-              <a:t>19.06.2025</a:t>
+              <a:t>24.06.2025</a:t>
             </a:fld>
             <a:endParaRPr lang="ru-RU"/>
           </a:p>
@@ -1366,7 +1366,7 @@
           <a:p>
             <a:fld id="{1A2EB200-99CB-494E-AA97-71D265777847}" type="datetimeFigureOut">
               <a:rPr lang="ru-RU" smtClean="0"/>
-              <a:t>19.06.2025</a:t>
+              <a:t>24.06.2025</a:t>
             </a:fld>
             <a:endParaRPr lang="ru-RU"/>
           </a:p>
@@ -1564,7 +1564,7 @@
           <a:p>
             <a:fld id="{1A2EB200-99CB-494E-AA97-71D265777847}" type="datetimeFigureOut">
               <a:rPr lang="ru-RU" smtClean="0"/>
-              <a:t>19.06.2025</a:t>
+              <a:t>24.06.2025</a:t>
             </a:fld>
             <a:endParaRPr lang="ru-RU"/>
           </a:p>
@@ -1839,7 +1839,7 @@
           <a:p>
             <a:fld id="{1A2EB200-99CB-494E-AA97-71D265777847}" type="datetimeFigureOut">
               <a:rPr lang="ru-RU" smtClean="0"/>
-              <a:t>19.06.2025</a:t>
+              <a:t>24.06.2025</a:t>
             </a:fld>
             <a:endParaRPr lang="ru-RU"/>
           </a:p>
@@ -2104,7 +2104,7 @@
           <a:p>
             <a:fld id="{1A2EB200-99CB-494E-AA97-71D265777847}" type="datetimeFigureOut">
               <a:rPr lang="ru-RU" smtClean="0"/>
-              <a:t>19.06.2025</a:t>
+              <a:t>24.06.2025</a:t>
             </a:fld>
             <a:endParaRPr lang="ru-RU"/>
           </a:p>
@@ -2516,7 +2516,7 @@
           <a:p>
             <a:fld id="{1A2EB200-99CB-494E-AA97-71D265777847}" type="datetimeFigureOut">
               <a:rPr lang="ru-RU" smtClean="0"/>
-              <a:t>19.06.2025</a:t>
+              <a:t>24.06.2025</a:t>
             </a:fld>
             <a:endParaRPr lang="ru-RU"/>
           </a:p>
@@ -2657,7 +2657,7 @@
           <a:p>
             <a:fld id="{1A2EB200-99CB-494E-AA97-71D265777847}" type="datetimeFigureOut">
               <a:rPr lang="ru-RU" smtClean="0"/>
-              <a:t>19.06.2025</a:t>
+              <a:t>24.06.2025</a:t>
             </a:fld>
             <a:endParaRPr lang="ru-RU"/>
           </a:p>
@@ -2770,7 +2770,7 @@
           <a:p>
             <a:fld id="{1A2EB200-99CB-494E-AA97-71D265777847}" type="datetimeFigureOut">
               <a:rPr lang="ru-RU" smtClean="0"/>
-              <a:t>19.06.2025</a:t>
+              <a:t>24.06.2025</a:t>
             </a:fld>
             <a:endParaRPr lang="ru-RU"/>
           </a:p>
@@ -3395,7 +3395,7 @@
           <a:p>
             <a:fld id="{1A2EB200-99CB-494E-AA97-71D265777847}" type="datetimeFigureOut">
               <a:rPr lang="ru-RU" smtClean="0"/>
-              <a:t>19.06.2025</a:t>
+              <a:t>24.06.2025</a:t>
             </a:fld>
             <a:endParaRPr lang="ru-RU"/>
           </a:p>
@@ -3683,7 +3683,7 @@
           <a:p>
             <a:fld id="{1A2EB200-99CB-494E-AA97-71D265777847}" type="datetimeFigureOut">
               <a:rPr lang="ru-RU" smtClean="0"/>
-              <a:t>19.06.2025</a:t>
+              <a:t>24.06.2025</a:t>
             </a:fld>
             <a:endParaRPr lang="ru-RU"/>
           </a:p>
@@ -3881,7 +3881,7 @@
           <a:p>
             <a:fld id="{1A2EB200-99CB-494E-AA97-71D265777847}" type="datetimeFigureOut">
               <a:rPr lang="ru-RU" smtClean="0"/>
-              <a:t>19.06.2025</a:t>
+              <a:t>24.06.2025</a:t>
             </a:fld>
             <a:endParaRPr lang="ru-RU"/>
           </a:p>
@@ -4089,7 +4089,7 @@
           <a:p>
             <a:fld id="{1A2EB200-99CB-494E-AA97-71D265777847}" type="datetimeFigureOut">
               <a:rPr lang="ru-RU" smtClean="0"/>
-              <a:t>19.06.2025</a:t>
+              <a:t>24.06.2025</a:t>
             </a:fld>
             <a:endParaRPr lang="ru-RU"/>
           </a:p>
@@ -4309,7 +4309,7 @@
           <a:p>
             <a:fld id="{FFF93996-A361-4D22-8042-B9CD43F2B0B7}" type="datetimeFigureOut">
               <a:rPr lang="ru-RU" smtClean="0"/>
-              <a:t>19.06.2025</a:t>
+              <a:t>24.06.2025</a:t>
             </a:fld>
             <a:endParaRPr lang="ru-RU"/>
           </a:p>
@@ -4507,7 +4507,7 @@
           <a:p>
             <a:fld id="{FFF93996-A361-4D22-8042-B9CD43F2B0B7}" type="datetimeFigureOut">
               <a:rPr lang="ru-RU" smtClean="0"/>
-              <a:t>19.06.2025</a:t>
+              <a:t>24.06.2025</a:t>
             </a:fld>
             <a:endParaRPr lang="ru-RU"/>
           </a:p>
@@ -4782,7 +4782,7 @@
           <a:p>
             <a:fld id="{FFF93996-A361-4D22-8042-B9CD43F2B0B7}" type="datetimeFigureOut">
               <a:rPr lang="ru-RU" smtClean="0"/>
-              <a:t>19.06.2025</a:t>
+              <a:t>24.06.2025</a:t>
             </a:fld>
             <a:endParaRPr lang="ru-RU"/>
           </a:p>
@@ -5047,7 +5047,7 @@
           <a:p>
             <a:fld id="{FFF93996-A361-4D22-8042-B9CD43F2B0B7}" type="datetimeFigureOut">
               <a:rPr lang="ru-RU" smtClean="0"/>
-              <a:t>19.06.2025</a:t>
+              <a:t>24.06.2025</a:t>
             </a:fld>
             <a:endParaRPr lang="ru-RU"/>
           </a:p>
@@ -5459,7 +5459,7 @@
           <a:p>
             <a:fld id="{FFF93996-A361-4D22-8042-B9CD43F2B0B7}" type="datetimeFigureOut">
               <a:rPr lang="ru-RU" smtClean="0"/>
-              <a:t>19.06.2025</a:t>
+              <a:t>24.06.2025</a:t>
             </a:fld>
             <a:endParaRPr lang="ru-RU"/>
           </a:p>
@@ -5600,7 +5600,7 @@
           <a:p>
             <a:fld id="{FFF93996-A361-4D22-8042-B9CD43F2B0B7}" type="datetimeFigureOut">
               <a:rPr lang="ru-RU" smtClean="0"/>
-              <a:t>19.06.2025</a:t>
+              <a:t>24.06.2025</a:t>
             </a:fld>
             <a:endParaRPr lang="ru-RU"/>
           </a:p>
@@ -5966,7 +5966,7 @@
           <a:p>
             <a:fld id="{FFF93996-A361-4D22-8042-B9CD43F2B0B7}" type="datetimeFigureOut">
               <a:rPr lang="ru-RU" smtClean="0"/>
-              <a:t>19.06.2025</a:t>
+              <a:t>24.06.2025</a:t>
             </a:fld>
             <a:endParaRPr lang="ru-RU"/>
           </a:p>
@@ -6277,7 +6277,7 @@
           <a:p>
             <a:fld id="{FFF93996-A361-4D22-8042-B9CD43F2B0B7}" type="datetimeFigureOut">
               <a:rPr lang="ru-RU" smtClean="0"/>
-              <a:t>19.06.2025</a:t>
+              <a:t>24.06.2025</a:t>
             </a:fld>
             <a:endParaRPr lang="ru-RU"/>
           </a:p>
@@ -6565,7 +6565,7 @@
           <a:p>
             <a:fld id="{FFF93996-A361-4D22-8042-B9CD43F2B0B7}" type="datetimeFigureOut">
               <a:rPr lang="ru-RU" smtClean="0"/>
-              <a:t>19.06.2025</a:t>
+              <a:t>24.06.2025</a:t>
             </a:fld>
             <a:endParaRPr lang="ru-RU"/>
           </a:p>
@@ -6763,7 +6763,7 @@
           <a:p>
             <a:fld id="{FFF93996-A361-4D22-8042-B9CD43F2B0B7}" type="datetimeFigureOut">
               <a:rPr lang="ru-RU" smtClean="0"/>
-              <a:t>19.06.2025</a:t>
+              <a:t>24.06.2025</a:t>
             </a:fld>
             <a:endParaRPr lang="ru-RU"/>
           </a:p>
@@ -6971,7 +6971,7 @@
           <a:p>
             <a:fld id="{FFF93996-A361-4D22-8042-B9CD43F2B0B7}" type="datetimeFigureOut">
               <a:rPr lang="ru-RU" smtClean="0"/>
-              <a:t>19.06.2025</a:t>
+              <a:t>24.06.2025</a:t>
             </a:fld>
             <a:endParaRPr lang="ru-RU"/>
           </a:p>
@@ -7191,7 +7191,7 @@
           <a:p>
             <a:fld id="{A4B49F3C-D528-46C9-86B1-6BA0C1997F27}" type="datetimeFigureOut">
               <a:rPr lang="ru-RU" smtClean="0"/>
-              <a:t>19.06.2025</a:t>
+              <a:t>24.06.2025</a:t>
             </a:fld>
             <a:endParaRPr lang="ru-RU"/>
           </a:p>
@@ -7389,7 +7389,7 @@
           <a:p>
             <a:fld id="{A4B49F3C-D528-46C9-86B1-6BA0C1997F27}" type="datetimeFigureOut">
               <a:rPr lang="ru-RU" smtClean="0"/>
-              <a:t>19.06.2025</a:t>
+              <a:t>24.06.2025</a:t>
             </a:fld>
             <a:endParaRPr lang="ru-RU"/>
           </a:p>
@@ -7664,7 +7664,7 @@
           <a:p>
             <a:fld id="{A4B49F3C-D528-46C9-86B1-6BA0C1997F27}" type="datetimeFigureOut">
               <a:rPr lang="ru-RU" smtClean="0"/>
-              <a:t>19.06.2025</a:t>
+              <a:t>24.06.2025</a:t>
             </a:fld>
             <a:endParaRPr lang="ru-RU"/>
           </a:p>
@@ -7929,7 +7929,7 @@
           <a:p>
             <a:fld id="{A4B49F3C-D528-46C9-86B1-6BA0C1997F27}" type="datetimeFigureOut">
               <a:rPr lang="ru-RU" smtClean="0"/>
-              <a:t>19.06.2025</a:t>
+              <a:t>24.06.2025</a:t>
             </a:fld>
             <a:endParaRPr lang="ru-RU"/>
           </a:p>
@@ -8341,7 +8341,7 @@
           <a:p>
             <a:fld id="{A4B49F3C-D528-46C9-86B1-6BA0C1997F27}" type="datetimeFigureOut">
               <a:rPr lang="ru-RU" smtClean="0"/>
-              <a:t>19.06.2025</a:t>
+              <a:t>24.06.2025</a:t>
             </a:fld>
             <a:endParaRPr lang="ru-RU"/>
           </a:p>
@@ -8732,7 +8732,7 @@
           <a:p>
             <a:fld id="{A4B49F3C-D528-46C9-86B1-6BA0C1997F27}" type="datetimeFigureOut">
               <a:rPr lang="ru-RU" smtClean="0"/>
-              <a:t>19.06.2025</a:t>
+              <a:t>24.06.2025</a:t>
             </a:fld>
             <a:endParaRPr lang="ru-RU"/>
           </a:p>
@@ -8845,7 +8845,7 @@
           <a:p>
             <a:fld id="{A4B49F3C-D528-46C9-86B1-6BA0C1997F27}" type="datetimeFigureOut">
               <a:rPr lang="ru-RU" smtClean="0"/>
-              <a:t>19.06.2025</a:t>
+              <a:t>24.06.2025</a:t>
             </a:fld>
             <a:endParaRPr lang="ru-RU"/>
           </a:p>
@@ -9156,7 +9156,7 @@
           <a:p>
             <a:fld id="{A4B49F3C-D528-46C9-86B1-6BA0C1997F27}" type="datetimeFigureOut">
               <a:rPr lang="ru-RU" smtClean="0"/>
-              <a:t>19.06.2025</a:t>
+              <a:t>24.06.2025</a:t>
             </a:fld>
             <a:endParaRPr lang="ru-RU"/>
           </a:p>
@@ -9444,7 +9444,7 @@
           <a:p>
             <a:fld id="{A4B49F3C-D528-46C9-86B1-6BA0C1997F27}" type="datetimeFigureOut">
               <a:rPr lang="ru-RU" smtClean="0"/>
-              <a:t>19.06.2025</a:t>
+              <a:t>24.06.2025</a:t>
             </a:fld>
             <a:endParaRPr lang="ru-RU"/>
           </a:p>
@@ -9642,7 +9642,7 @@
           <a:p>
             <a:fld id="{A4B49F3C-D528-46C9-86B1-6BA0C1997F27}" type="datetimeFigureOut">
               <a:rPr lang="ru-RU" smtClean="0"/>
-              <a:t>19.06.2025</a:t>
+              <a:t>24.06.2025</a:t>
             </a:fld>
             <a:endParaRPr lang="ru-RU"/>
           </a:p>
@@ -9850,7 +9850,7 @@
           <a:p>
             <a:fld id="{A4B49F3C-D528-46C9-86B1-6BA0C1997F27}" type="datetimeFigureOut">
               <a:rPr lang="ru-RU" smtClean="0"/>
-              <a:t>19.06.2025</a:t>
+              <a:t>24.06.2025</a:t>
             </a:fld>
             <a:endParaRPr lang="ru-RU"/>
           </a:p>
@@ -10070,7 +10070,7 @@
           <a:p>
             <a:fld id="{F5D97488-C818-4ADA-8271-C86ECD1E7F36}" type="datetimeFigureOut">
               <a:rPr lang="ru-RU" smtClean="0"/>
-              <a:t>19.06.2025</a:t>
+              <a:t>24.06.2025</a:t>
             </a:fld>
             <a:endParaRPr lang="ru-RU"/>
           </a:p>
@@ -10268,7 +10268,7 @@
           <a:p>
             <a:fld id="{F5D97488-C818-4ADA-8271-C86ECD1E7F36}" type="datetimeFigureOut">
               <a:rPr lang="ru-RU" smtClean="0"/>
-              <a:t>19.06.2025</a:t>
+              <a:t>24.06.2025</a:t>
             </a:fld>
             <a:endParaRPr lang="ru-RU"/>
           </a:p>
@@ -10543,7 +10543,7 @@
           <a:p>
             <a:fld id="{F5D97488-C818-4ADA-8271-C86ECD1E7F36}" type="datetimeFigureOut">
               <a:rPr lang="ru-RU" smtClean="0"/>
-              <a:t>19.06.2025</a:t>
+              <a:t>24.06.2025</a:t>
             </a:fld>
             <a:endParaRPr lang="ru-RU"/>
           </a:p>
@@ -10808,7 +10808,7 @@
           <a:p>
             <a:fld id="{F5D97488-C818-4ADA-8271-C86ECD1E7F36}" type="datetimeFigureOut">
               <a:rPr lang="ru-RU" smtClean="0"/>
-              <a:t>19.06.2025</a:t>
+              <a:t>24.06.2025</a:t>
             </a:fld>
             <a:endParaRPr lang="ru-RU"/>
           </a:p>
@@ -11560,7 +11560,7 @@
           <a:p>
             <a:fld id="{F5D97488-C818-4ADA-8271-C86ECD1E7F36}" type="datetimeFigureOut">
               <a:rPr lang="ru-RU" smtClean="0"/>
-              <a:t>19.06.2025</a:t>
+              <a:t>24.06.2025</a:t>
             </a:fld>
             <a:endParaRPr lang="ru-RU"/>
           </a:p>
@@ -11701,7 +11701,7 @@
           <a:p>
             <a:fld id="{F5D97488-C818-4ADA-8271-C86ECD1E7F36}" type="datetimeFigureOut">
               <a:rPr lang="ru-RU" smtClean="0"/>
-              <a:t>19.06.2025</a:t>
+              <a:t>24.06.2025</a:t>
             </a:fld>
             <a:endParaRPr lang="ru-RU"/>
           </a:p>
@@ -11814,7 +11814,7 @@
           <a:p>
             <a:fld id="{F5D97488-C818-4ADA-8271-C86ECD1E7F36}" type="datetimeFigureOut">
               <a:rPr lang="ru-RU" smtClean="0"/>
-              <a:t>19.06.2025</a:t>
+              <a:t>24.06.2025</a:t>
             </a:fld>
             <a:endParaRPr lang="ru-RU"/>
           </a:p>
@@ -12125,7 +12125,7 @@
           <a:p>
             <a:fld id="{F5D97488-C818-4ADA-8271-C86ECD1E7F36}" type="datetimeFigureOut">
               <a:rPr lang="ru-RU" smtClean="0"/>
-              <a:t>19.06.2025</a:t>
+              <a:t>24.06.2025</a:t>
             </a:fld>
             <a:endParaRPr lang="ru-RU"/>
           </a:p>
@@ -12413,7 +12413,7 @@
           <a:p>
             <a:fld id="{F5D97488-C818-4ADA-8271-C86ECD1E7F36}" type="datetimeFigureOut">
               <a:rPr lang="ru-RU" smtClean="0"/>
-              <a:t>19.06.2025</a:t>
+              <a:t>24.06.2025</a:t>
             </a:fld>
             <a:endParaRPr lang="ru-RU"/>
           </a:p>
@@ -12611,7 +12611,7 @@
           <a:p>
             <a:fld id="{F5D97488-C818-4ADA-8271-C86ECD1E7F36}" type="datetimeFigureOut">
               <a:rPr lang="ru-RU" smtClean="0"/>
-              <a:t>19.06.2025</a:t>
+              <a:t>24.06.2025</a:t>
             </a:fld>
             <a:endParaRPr lang="ru-RU"/>
           </a:p>
@@ -12819,7 +12819,7 @@
           <a:p>
             <a:fld id="{F5D97488-C818-4ADA-8271-C86ECD1E7F36}" type="datetimeFigureOut">
               <a:rPr lang="ru-RU" smtClean="0"/>
-              <a:t>19.06.2025</a:t>
+              <a:t>24.06.2025</a:t>
             </a:fld>
             <a:endParaRPr lang="ru-RU"/>
           </a:p>
@@ -13805,7 +13805,7 @@
           <a:p>
             <a:fld id="{2328CB8F-DE4F-4F3C-8976-33B572ECD287}" type="datetimeFigureOut">
               <a:rPr lang="ru-RU" smtClean="0"/>
-              <a:t>19.06.2025</a:t>
+              <a:t>24.06.2025</a:t>
             </a:fld>
             <a:endParaRPr lang="ru-RU"/>
           </a:p>
@@ -14054,7 +14054,7 @@
           <a:p>
             <a:fld id="{2328CB8F-DE4F-4F3C-8976-33B572ECD287}" type="datetimeFigureOut">
               <a:rPr lang="ru-RU" smtClean="0"/>
-              <a:t>19.06.2025</a:t>
+              <a:t>24.06.2025</a:t>
             </a:fld>
             <a:endParaRPr lang="ru-RU"/>
           </a:p>
@@ -14672,7 +14672,7 @@
           <a:p>
             <a:fld id="{1A2EB200-99CB-494E-AA97-71D265777847}" type="datetimeFigureOut">
               <a:rPr lang="ru-RU" smtClean="0"/>
-              <a:t>19.06.2025</a:t>
+              <a:t>24.06.2025</a:t>
             </a:fld>
             <a:endParaRPr lang="ru-RU"/>
           </a:p>
@@ -15240,7 +15240,7 @@
           <a:p>
             <a:fld id="{FFF93996-A361-4D22-8042-B9CD43F2B0B7}" type="datetimeFigureOut">
               <a:rPr lang="ru-RU" smtClean="0"/>
-              <a:t>19.06.2025</a:t>
+              <a:t>24.06.2025</a:t>
             </a:fld>
             <a:endParaRPr lang="ru-RU"/>
           </a:p>
@@ -15844,7 +15844,7 @@
           <a:p>
             <a:fld id="{A4B49F3C-D528-46C9-86B1-6BA0C1997F27}" type="datetimeFigureOut">
               <a:rPr lang="ru-RU" smtClean="0"/>
-              <a:t>19.06.2025</a:t>
+              <a:t>24.06.2025</a:t>
             </a:fld>
             <a:endParaRPr lang="ru-RU"/>
           </a:p>
@@ -16500,7 +16500,7 @@
           <a:p>
             <a:fld id="{F5D97488-C818-4ADA-8271-C86ECD1E7F36}" type="datetimeFigureOut">
               <a:rPr lang="ru-RU" smtClean="0"/>
-              <a:t>19.06.2025</a:t>
+              <a:t>24.06.2025</a:t>
             </a:fld>
             <a:endParaRPr lang="ru-RU"/>
           </a:p>
@@ -22716,7 +22716,7 @@
         <p:spPr>
           <a:xfrm>
             <a:off x="8301692" y="996267"/>
-            <a:ext cx="3601347" cy="5341975"/>
+            <a:ext cx="3601347" cy="5840573"/>
           </a:xfrm>
           <a:prstGeom prst="rect">
             <a:avLst/>
@@ -22761,12 +22761,12 @@
               </a:tabLst>
             </a:pPr>
             <a:r>
-              <a:rPr lang="ru-RU" dirty="0" err="1">
+              <a:rPr lang="ru-RU" smtClean="0">
                 <a:solidFill>
                   <a:schemeClr val="dk1"/>
                 </a:solidFill>
               </a:rPr>
-              <a:t>Ккаждое</a:t>
+              <a:t>Каждое </a:t>
             </a:r>
             <a:r>
               <a:rPr lang="ru-RU" dirty="0">
@@ -22774,7 +22774,7 @@
                   <a:schemeClr val="dk1"/>
                 </a:solidFill>
               </a:rPr>
-              <a:t> слово в словаре описывается как вектор с однократным кодированием (двоичный вектор, в котором только позиция соответствующего слова имеет значение 1)</a:t>
+              <a:t>слово в словаре описывается как вектор с однократным кодированием (двоичный вектор, в котором только позиция соответствующего слова имеет значение 1)</a:t>
             </a:r>
           </a:p>
           <a:p>
